--- a/pertemuan_4/Pertemuan_4.pptx
+++ b/pertemuan_4/Pertemuan_4.pptx
@@ -5736,7 +5736,15 @@
             </a:r>
             <a:r>
               <a:rPr lang="en-US"/>
-              <a:t>object using relative import into </a:t>
+              <a:t>object using </a:t>
+            </a:r>
+            <a:r>
+              <a:rPr lang="en-US" b="1"/>
+              <a:t>relative import</a:t>
+            </a:r>
+            <a:r>
+              <a:rPr lang="en-US"/>
+              <a:t> into </a:t>
             </a:r>
             <a:r>
               <a:rPr lang="en-US">
@@ -12652,12 +12660,12 @@
             </a:r>
             <a:r>
               <a:rPr lang="en-US" sz="2400">
-                <a:hlinkClick r:id="rId1" action="ppaction://hlinkfile"/>
+                <a:hlinkClick r:id="rId1" tooltip="" action="ppaction://hlinkfile"/>
               </a:rPr>
               <a:t>Flask Pagination</a:t>
             </a:r>
             <a:endParaRPr lang="en-US" sz="2400">
-              <a:hlinkClick r:id="rId1" action="ppaction://hlinkfile"/>
+              <a:hlinkClick r:id="rId1" tooltip="" action="ppaction://hlinkfile"/>
             </a:endParaRPr>
           </a:p>
         </p:txBody>
@@ -17060,7 +17068,7 @@
         <p:spPr>
           <a:xfrm>
             <a:off x="761365" y="1481455"/>
-            <a:ext cx="9673590" cy="398780"/>
+            <a:ext cx="9687560" cy="398780"/>
           </a:xfrm>
           <a:prstGeom prst="rect">
             <a:avLst/>
@@ -17104,7 +17112,16 @@
                 </a:solidFill>
                 <a:sym typeface="+mn-ea"/>
               </a:rPr>
-              <a:t>viesw.html</a:t>
+              <a:t>views</a:t>
+            </a:r>
+            <a:r>
+              <a:rPr lang="en-US" sz="2000">
+                <a:solidFill>
+                  <a:srgbClr val="FF0000"/>
+                </a:solidFill>
+                <a:sym typeface="+mn-ea"/>
+              </a:rPr>
+              <a:t>.html</a:t>
             </a:r>
             <a:endParaRPr lang="en-US" sz="2000">
               <a:solidFill>
@@ -17588,7 +17605,7 @@
                     <a:schemeClr val="tx1"/>
                   </a:solidFill>
                 </a:rPr>
-                <a:t>module.py</a:t>
+                <a:t>model.py</a:t>
               </a:r>
               <a:endParaRPr lang="en-US" sz="1200">
                 <a:solidFill>

--- a/pertemuan_4/Pertemuan_4.pptx
+++ b/pertemuan_4/Pertemuan_4.pptx
@@ -17254,12 +17254,54 @@
                   <a:schemeClr val="bg1"/>
                 </a:solidFill>
               </a:rPr>
-              <a:t>if we click anooher page (e.g 2), pagination widget will put page=2</a:t>
+              <a:t>if we click another page (e.g 2), pagination widget will put page=2</a:t>
             </a:r>
             <a:endParaRPr lang="en-US">
               <a:solidFill>
                 <a:schemeClr val="bg1"/>
               </a:solidFill>
+            </a:endParaRPr>
+          </a:p>
+        </p:txBody>
+      </p:sp>
+      <p:sp>
+        <p:nvSpPr>
+          <p:cNvPr id="2" name="Text Box 1"/>
+          <p:cNvSpPr txBox="1"/>
+          <p:nvPr/>
+        </p:nvSpPr>
+        <p:spPr>
+          <a:xfrm>
+            <a:off x="761365" y="6137910"/>
+            <a:ext cx="3524885" cy="368300"/>
+          </a:xfrm>
+          <a:prstGeom prst="rect">
+            <a:avLst/>
+          </a:prstGeom>
+          <a:noFill/>
+        </p:spPr>
+        <p:txBody>
+          <a:bodyPr wrap="none" rtlCol="0" anchor="t">
+            <a:spAutoFit/>
+          </a:bodyPr>
+          <a:p>
+            <a:pPr indent="0" algn="l">
+              <a:buNone/>
+            </a:pPr>
+            <a:r>
+              <a:rPr lang="en-US">
+                <a:solidFill>
+                  <a:srgbClr val="FF0000"/>
+                </a:solidFill>
+                <a:sym typeface="+mn-ea"/>
+              </a:rPr>
+              <a:t>http://localhost:5000/users?page=1</a:t>
+            </a:r>
+            <a:endParaRPr lang="en-US">
+              <a:solidFill>
+                <a:srgbClr val="FF0000"/>
+              </a:solidFill>
+              <a:sym typeface="+mn-ea"/>
             </a:endParaRPr>
           </a:p>
         </p:txBody>
